--- a/2023/2023-03/2023-03-16/problem.pptx
+++ b/2023/2023-03/2023-03-16/problem.pptx
@@ -5,13 +5,7 @@
     <p:sldMasterId id="2147483732" r:id="rId1"/>
   </p:sldMasterIdLst>
   <p:sldIdLst>
-    <p:sldId id="256" r:id="rId2"/>
-    <p:sldId id="258" r:id="rId3"/>
-    <p:sldId id="259" r:id="rId4"/>
-    <p:sldId id="266" r:id="rId5"/>
-    <p:sldId id="267" r:id="rId6"/>
-    <p:sldId id="268" r:id="rId7"/>
-    <p:sldId id="262" r:id="rId8"/>
+    <p:sldId id="259" r:id="rId2"/>
   </p:sldIdLst>
   <p:sldSz cx="12192000" cy="6858000"/>
   <p:notesSz cx="6858000" cy="9144000"/>
@@ -449,7 +443,7 @@
           <a:p>
             <a:fld id="{13CAB402-B863-4AA4-B7CA-C5BADD25EDE0}" type="datetimeFigureOut">
               <a:rPr lang="en-US" smtClean="0"/>
-              <a:t>3/20/2023</a:t>
+              <a:t>3/30/2023</a:t>
             </a:fld>
             <a:endParaRPr lang="en-US"/>
           </a:p>
@@ -773,7 +767,7 @@
           <a:p>
             <a:fld id="{13CAB402-B863-4AA4-B7CA-C5BADD25EDE0}" type="datetimeFigureOut">
               <a:rPr lang="en-US" smtClean="0"/>
-              <a:t>3/20/2023</a:t>
+              <a:t>3/30/2023</a:t>
             </a:fld>
             <a:endParaRPr lang="en-US"/>
           </a:p>
@@ -1021,7 +1015,7 @@
           <a:p>
             <a:fld id="{13CAB402-B863-4AA4-B7CA-C5BADD25EDE0}" type="datetimeFigureOut">
               <a:rPr lang="en-US" smtClean="0"/>
-              <a:t>3/20/2023</a:t>
+              <a:t>3/30/2023</a:t>
             </a:fld>
             <a:endParaRPr lang="en-US"/>
           </a:p>
@@ -1360,7 +1354,7 @@
           <a:p>
             <a:fld id="{13CAB402-B863-4AA4-B7CA-C5BADD25EDE0}" type="datetimeFigureOut">
               <a:rPr lang="en-US" smtClean="0"/>
-              <a:t>3/20/2023</a:t>
+              <a:t>3/30/2023</a:t>
             </a:fld>
             <a:endParaRPr lang="en-US"/>
           </a:p>
@@ -1707,7 +1701,7 @@
           <a:p>
             <a:fld id="{13CAB402-B863-4AA4-B7CA-C5BADD25EDE0}" type="datetimeFigureOut">
               <a:rPr lang="en-US" smtClean="0"/>
-              <a:t>3/20/2023</a:t>
+              <a:t>3/30/2023</a:t>
             </a:fld>
             <a:endParaRPr lang="en-US"/>
           </a:p>
@@ -2081,7 +2075,7 @@
           <a:p>
             <a:fld id="{13CAB402-B863-4AA4-B7CA-C5BADD25EDE0}" type="datetimeFigureOut">
               <a:rPr lang="en-US" smtClean="0"/>
-              <a:t>3/20/2023</a:t>
+              <a:t>3/30/2023</a:t>
             </a:fld>
             <a:endParaRPr lang="en-US"/>
           </a:p>
@@ -2551,7 +2545,7 @@
           <a:p>
             <a:fld id="{13CAB402-B863-4AA4-B7CA-C5BADD25EDE0}" type="datetimeFigureOut">
               <a:rPr lang="en-US" smtClean="0"/>
-              <a:t>3/20/2023</a:t>
+              <a:t>3/30/2023</a:t>
             </a:fld>
             <a:endParaRPr lang="en-US"/>
           </a:p>
@@ -2756,7 +2750,7 @@
           <a:p>
             <a:fld id="{13CAB402-B863-4AA4-B7CA-C5BADD25EDE0}" type="datetimeFigureOut">
               <a:rPr lang="en-US" smtClean="0"/>
-              <a:t>3/20/2023</a:t>
+              <a:t>3/30/2023</a:t>
             </a:fld>
             <a:endParaRPr lang="en-US"/>
           </a:p>
@@ -2967,7 +2961,7 @@
           <a:p>
             <a:fld id="{13CAB402-B863-4AA4-B7CA-C5BADD25EDE0}" type="datetimeFigureOut">
               <a:rPr lang="en-US" smtClean="0"/>
-              <a:t>3/20/2023</a:t>
+              <a:t>3/30/2023</a:t>
             </a:fld>
             <a:endParaRPr lang="en-US"/>
           </a:p>
@@ -3199,7 +3193,7 @@
           <a:p>
             <a:fld id="{13CAB402-B863-4AA4-B7CA-C5BADD25EDE0}" type="datetimeFigureOut">
               <a:rPr lang="en-US" smtClean="0"/>
-              <a:t>3/20/2023</a:t>
+              <a:t>3/30/2023</a:t>
             </a:fld>
             <a:endParaRPr lang="en-US"/>
           </a:p>
@@ -3447,7 +3441,7 @@
           <a:p>
             <a:fld id="{13CAB402-B863-4AA4-B7CA-C5BADD25EDE0}" type="datetimeFigureOut">
               <a:rPr lang="en-US" smtClean="0"/>
-              <a:t>3/20/2023</a:t>
+              <a:t>3/30/2023</a:t>
             </a:fld>
             <a:endParaRPr lang="en-US"/>
           </a:p>
@@ -3745,7 +3739,7 @@
           <a:p>
             <a:fld id="{13CAB402-B863-4AA4-B7CA-C5BADD25EDE0}" type="datetimeFigureOut">
               <a:rPr lang="en-US" smtClean="0"/>
-              <a:t>3/20/2023</a:t>
+              <a:t>3/30/2023</a:t>
             </a:fld>
             <a:endParaRPr lang="en-US"/>
           </a:p>
@@ -4139,7 +4133,7 @@
           <a:p>
             <a:fld id="{13CAB402-B863-4AA4-B7CA-C5BADD25EDE0}" type="datetimeFigureOut">
               <a:rPr lang="en-US" smtClean="0"/>
-              <a:t>3/20/2023</a:t>
+              <a:t>3/30/2023</a:t>
             </a:fld>
             <a:endParaRPr lang="en-US"/>
           </a:p>
@@ -4288,7 +4282,7 @@
           <a:p>
             <a:fld id="{13CAB402-B863-4AA4-B7CA-C5BADD25EDE0}" type="datetimeFigureOut">
               <a:rPr lang="en-US" smtClean="0"/>
-              <a:t>3/20/2023</a:t>
+              <a:t>3/30/2023</a:t>
             </a:fld>
             <a:endParaRPr lang="en-US"/>
           </a:p>
@@ -4414,7 +4408,7 @@
           <a:p>
             <a:fld id="{13CAB402-B863-4AA4-B7CA-C5BADD25EDE0}" type="datetimeFigureOut">
               <a:rPr lang="en-US" smtClean="0"/>
-              <a:t>3/20/2023</a:t>
+              <a:t>3/30/2023</a:t>
             </a:fld>
             <a:endParaRPr lang="en-US"/>
           </a:p>
@@ -4669,7 +4663,7 @@
           <a:p>
             <a:fld id="{13CAB402-B863-4AA4-B7CA-C5BADD25EDE0}" type="datetimeFigureOut">
               <a:rPr lang="en-US" smtClean="0"/>
-              <a:t>3/20/2023</a:t>
+              <a:t>3/30/2023</a:t>
             </a:fld>
             <a:endParaRPr lang="en-US"/>
           </a:p>
@@ -4984,7 +4978,7 @@
           <a:p>
             <a:fld id="{13CAB402-B863-4AA4-B7CA-C5BADD25EDE0}" type="datetimeFigureOut">
               <a:rPr lang="en-US" smtClean="0"/>
-              <a:t>3/20/2023</a:t>
+              <a:t>3/30/2023</a:t>
             </a:fld>
             <a:endParaRPr lang="en-US"/>
           </a:p>
@@ -5335,7 +5329,7 @@
           <a:p>
             <a:fld id="{13CAB402-B863-4AA4-B7CA-C5BADD25EDE0}" type="datetimeFigureOut">
               <a:rPr lang="en-US" smtClean="0"/>
-              <a:t>3/20/2023</a:t>
+              <a:t>3/30/2023</a:t>
             </a:fld>
             <a:endParaRPr lang="en-US"/>
           </a:p>
@@ -5883,7 +5877,7 @@
           <p:cNvPr id="2" name="Title 1">
             <a:extLst>
               <a:ext uri="{FF2B5EF4-FFF2-40B4-BE49-F238E27FC236}">
-                <a16:creationId xmlns:a16="http://schemas.microsoft.com/office/drawing/2014/main" id="{CA317722-9261-B16F-DF2C-8CF6D23E8851}"/>
+                <a16:creationId xmlns:a16="http://schemas.microsoft.com/office/drawing/2014/main" id="{60AC9A41-5DB2-F979-07DF-1CE78573B6F8}"/>
               </a:ext>
             </a:extLst>
           </p:cNvPr>
@@ -5891,7 +5885,7 @@
             <a:spLocks noGrp="1"/>
           </p:cNvSpPr>
           <p:nvPr>
-            <p:ph type="ctrTitle"/>
+            <p:ph type="title"/>
           </p:nvPr>
         </p:nvSpPr>
         <p:spPr/>
@@ -5908,10 +5902,10 @@
       </p:sp>
       <p:sp>
         <p:nvSpPr>
-          <p:cNvPr id="3" name="Subtitle 2">
+          <p:cNvPr id="3" name="Content Placeholder 2">
             <a:extLst>
               <a:ext uri="{FF2B5EF4-FFF2-40B4-BE49-F238E27FC236}">
-                <a16:creationId xmlns:a16="http://schemas.microsoft.com/office/drawing/2014/main" id="{043C9A1C-775D-C72F-DB2C-E4FD1E85D80F}"/>
+                <a16:creationId xmlns:a16="http://schemas.microsoft.com/office/drawing/2014/main" id="{00DB481D-8E65-F13F-7981-449C386C1587}"/>
               </a:ext>
             </a:extLst>
           </p:cNvPr>
@@ -5919,1118 +5913,248 @@
             <a:spLocks noGrp="1"/>
           </p:cNvSpPr>
           <p:nvPr>
-            <p:ph type="subTitle" idx="1"/>
+            <p:ph idx="1"/>
           </p:nvPr>
         </p:nvSpPr>
         <p:spPr/>
         <p:txBody>
-          <a:bodyPr/>
-          <a:lstStyle/>
+          <a:bodyPr>
+            <a:normAutofit fontScale="70000" lnSpcReduction="20000"/>
+          </a:bodyPr>
+          <a:lstStyle/>
+          <a:p>
+            <a:r>
+              <a:rPr lang="en-US" dirty="0"/>
+              <a:t>Given the following buckets which can store 10, 5 and 4 liters of water, with 10L bucket full of water, and 5L and 4L buckets empty.</a:t>
+            </a:r>
+          </a:p>
           <a:p>
             <a:endParaRPr lang="en-US" dirty="0"/>
           </a:p>
-        </p:txBody>
-      </p:sp>
+          <a:p>
+            <a:endParaRPr lang="en-US" dirty="0"/>
+          </a:p>
+          <a:p>
+            <a:endParaRPr lang="en-US" dirty="0"/>
+          </a:p>
+          <a:p>
+            <a:endParaRPr lang="en-US" dirty="0"/>
+          </a:p>
+          <a:p>
+            <a:r>
+              <a:rPr lang="en-US" dirty="0"/>
+              <a:t>Find a way to put 3 liters of water in one of the buckets.</a:t>
+            </a:r>
+          </a:p>
+          <a:p>
+            <a:r>
+              <a:rPr lang="en-US" dirty="0"/>
+              <a:t>Bonus</a:t>
+            </a:r>
+          </a:p>
+          <a:p>
+            <a:pPr lvl="1"/>
+            <a:r>
+              <a:rPr lang="en-US" dirty="0"/>
+              <a:t>Find a way to put 2 liters of water in one of the buckets.</a:t>
+            </a:r>
+          </a:p>
+          <a:p>
+            <a:pPr lvl="1"/>
+            <a:r>
+              <a:rPr lang="en-US" dirty="0"/>
+              <a:t>Find a way to put 8 liters of water in one of the buckets.</a:t>
+            </a:r>
+          </a:p>
+          <a:p>
+            <a:endParaRPr lang="en-US" dirty="0"/>
+          </a:p>
+        </p:txBody>
+      </p:sp>
+      <p:grpSp>
+        <p:nvGrpSpPr>
+          <p:cNvPr id="7" name="Group 6">
+            <a:extLst>
+              <a:ext uri="{FF2B5EF4-FFF2-40B4-BE49-F238E27FC236}">
+                <a16:creationId xmlns:a16="http://schemas.microsoft.com/office/drawing/2014/main" id="{26CAFEED-FC70-1EA8-8580-B014BF83637E}"/>
+              </a:ext>
+            </a:extLst>
+          </p:cNvPr>
+          <p:cNvGrpSpPr/>
+          <p:nvPr/>
+        </p:nvGrpSpPr>
+        <p:grpSpPr>
+          <a:xfrm>
+            <a:off x="2087592" y="3429000"/>
+            <a:ext cx="1846053" cy="854016"/>
+            <a:chOff x="1457864" y="2760452"/>
+            <a:chExt cx="1851800" cy="1431986"/>
+          </a:xfrm>
+        </p:grpSpPr>
+        <p:sp>
+          <p:nvSpPr>
+            <p:cNvPr id="4" name="Rectangle 3">
+              <a:extLst>
+                <a:ext uri="{FF2B5EF4-FFF2-40B4-BE49-F238E27FC236}">
+                  <a16:creationId xmlns:a16="http://schemas.microsoft.com/office/drawing/2014/main" id="{F4C73029-2C91-449B-E166-C15D2E910D4F}"/>
+                </a:ext>
+              </a:extLst>
+            </p:cNvPr>
+            <p:cNvSpPr/>
+            <p:nvPr/>
+          </p:nvSpPr>
+          <p:spPr>
+            <a:xfrm>
+              <a:off x="1457864" y="2760452"/>
+              <a:ext cx="612476" cy="1431986"/>
+            </a:xfrm>
+            <a:prstGeom prst="rect">
+              <a:avLst/>
+            </a:prstGeom>
+          </p:spPr>
+          <p:style>
+            <a:lnRef idx="2">
+              <a:schemeClr val="accent1">
+                <a:shade val="50000"/>
+              </a:schemeClr>
+            </a:lnRef>
+            <a:fillRef idx="1">
+              <a:schemeClr val="accent1"/>
+            </a:fillRef>
+            <a:effectRef idx="0">
+              <a:schemeClr val="accent1"/>
+            </a:effectRef>
+            <a:fontRef idx="minor">
+              <a:schemeClr val="lt1"/>
+            </a:fontRef>
+          </p:style>
+          <p:txBody>
+            <a:bodyPr rtlCol="0" anchor="ctr"/>
+            <a:lstStyle/>
+            <a:p>
+              <a:pPr algn="ctr"/>
+              <a:r>
+                <a:rPr lang="en-US" dirty="0">
+                  <a:solidFill>
+                    <a:schemeClr val="tx1"/>
+                  </a:solidFill>
+                </a:rPr>
+                <a:t>10</a:t>
+              </a:r>
+            </a:p>
+          </p:txBody>
+        </p:sp>
+        <p:sp>
+          <p:nvSpPr>
+            <p:cNvPr id="5" name="Rectangle 4">
+              <a:extLst>
+                <a:ext uri="{FF2B5EF4-FFF2-40B4-BE49-F238E27FC236}">
+                  <a16:creationId xmlns:a16="http://schemas.microsoft.com/office/drawing/2014/main" id="{57558D12-EF71-5CCD-BE7C-D196F0093B8C}"/>
+                </a:ext>
+              </a:extLst>
+            </p:cNvPr>
+            <p:cNvSpPr/>
+            <p:nvPr/>
+          </p:nvSpPr>
+          <p:spPr>
+            <a:xfrm>
+              <a:off x="2336319" y="3429000"/>
+              <a:ext cx="353683" cy="763438"/>
+            </a:xfrm>
+            <a:prstGeom prst="rect">
+              <a:avLst/>
+            </a:prstGeom>
+          </p:spPr>
+          <p:style>
+            <a:lnRef idx="2">
+              <a:schemeClr val="accent1">
+                <a:shade val="50000"/>
+              </a:schemeClr>
+            </a:lnRef>
+            <a:fillRef idx="1">
+              <a:schemeClr val="accent1"/>
+            </a:fillRef>
+            <a:effectRef idx="0">
+              <a:schemeClr val="accent1"/>
+            </a:effectRef>
+            <a:fontRef idx="minor">
+              <a:schemeClr val="lt1"/>
+            </a:fontRef>
+          </p:style>
+          <p:txBody>
+            <a:bodyPr rtlCol="0" anchor="ctr"/>
+            <a:lstStyle/>
+            <a:p>
+              <a:pPr algn="ctr"/>
+              <a:r>
+                <a:rPr lang="en-US" dirty="0">
+                  <a:solidFill>
+                    <a:schemeClr val="tx1"/>
+                  </a:solidFill>
+                </a:rPr>
+                <a:t>5</a:t>
+              </a:r>
+            </a:p>
+          </p:txBody>
+        </p:sp>
+        <p:sp>
+          <p:nvSpPr>
+            <p:cNvPr id="6" name="Rectangle 5">
+              <a:extLst>
+                <a:ext uri="{FF2B5EF4-FFF2-40B4-BE49-F238E27FC236}">
+                  <a16:creationId xmlns:a16="http://schemas.microsoft.com/office/drawing/2014/main" id="{AE8A8E00-5B94-0BF7-F947-FC590A851346}"/>
+                </a:ext>
+              </a:extLst>
+            </p:cNvPr>
+            <p:cNvSpPr/>
+            <p:nvPr/>
+          </p:nvSpPr>
+          <p:spPr>
+            <a:xfrm>
+              <a:off x="2955981" y="3666227"/>
+              <a:ext cx="353683" cy="526211"/>
+            </a:xfrm>
+            <a:prstGeom prst="rect">
+              <a:avLst/>
+            </a:prstGeom>
+          </p:spPr>
+          <p:style>
+            <a:lnRef idx="2">
+              <a:schemeClr val="accent1">
+                <a:shade val="50000"/>
+              </a:schemeClr>
+            </a:lnRef>
+            <a:fillRef idx="1">
+              <a:schemeClr val="accent1"/>
+            </a:fillRef>
+            <a:effectRef idx="0">
+              <a:schemeClr val="accent1"/>
+            </a:effectRef>
+            <a:fontRef idx="minor">
+              <a:schemeClr val="lt1"/>
+            </a:fontRef>
+          </p:style>
+          <p:txBody>
+            <a:bodyPr rtlCol="0" anchor="ctr"/>
+            <a:lstStyle/>
+            <a:p>
+              <a:pPr algn="ctr"/>
+              <a:r>
+                <a:rPr lang="en-US" dirty="0">
+                  <a:solidFill>
+                    <a:schemeClr val="tx1"/>
+                  </a:solidFill>
+                </a:rPr>
+                <a:t>4</a:t>
+              </a:r>
+            </a:p>
+          </p:txBody>
+        </p:sp>
+      </p:grpSp>
     </p:spTree>
     <p:extLst>
       <p:ext uri="{BB962C8B-B14F-4D97-AF65-F5344CB8AC3E}">
-        <p14:creationId xmlns:p14="http://schemas.microsoft.com/office/powerpoint/2010/main" val="19180934"/>
-      </p:ext>
-    </p:extLst>
-  </p:cSld>
-  <p:clrMapOvr>
-    <a:masterClrMapping/>
-  </p:clrMapOvr>
-</p:sld>
-</file>
-
-<file path=ppt/slides/slide2.xml><?xml version="1.0" encoding="utf-8"?>
-<p:sld xmlns:a="http://schemas.openxmlformats.org/drawingml/2006/main" xmlns:r="http://schemas.openxmlformats.org/officeDocument/2006/relationships" xmlns:p="http://schemas.openxmlformats.org/presentationml/2006/main">
-  <p:cSld>
-    <p:spTree>
-      <p:nvGrpSpPr>
-        <p:cNvPr id="1" name=""/>
-        <p:cNvGrpSpPr/>
-        <p:nvPr/>
-      </p:nvGrpSpPr>
-      <p:grpSpPr>
-        <a:xfrm>
-          <a:off x="0" y="0"/>
-          <a:ext cx="0" cy="0"/>
-          <a:chOff x="0" y="0"/>
-          <a:chExt cx="0" cy="0"/>
-        </a:xfrm>
-      </p:grpSpPr>
-      <p:sp>
-        <p:nvSpPr>
-          <p:cNvPr id="2" name="Title 1">
-            <a:extLst>
-              <a:ext uri="{FF2B5EF4-FFF2-40B4-BE49-F238E27FC236}">
-                <a16:creationId xmlns:a16="http://schemas.microsoft.com/office/drawing/2014/main" id="{B901A517-98D6-700B-03D7-654147AFC7D7}"/>
-              </a:ext>
-            </a:extLst>
-          </p:cNvPr>
-          <p:cNvSpPr>
-            <a:spLocks noGrp="1"/>
-          </p:cNvSpPr>
-          <p:nvPr>
-            <p:ph type="title"/>
-          </p:nvPr>
-        </p:nvSpPr>
-        <p:spPr>
-          <a:xfrm>
-            <a:off x="1226391" y="982132"/>
-            <a:ext cx="9601196" cy="1303867"/>
-          </a:xfrm>
-        </p:spPr>
-        <p:txBody>
-          <a:bodyPr>
-            <a:normAutofit fontScale="90000"/>
-          </a:bodyPr>
-          <a:lstStyle/>
-          <a:p>
-            <a:r>
-              <a:rPr lang="en-US" dirty="0"/>
-              <a:t>Given the following buckets which can store 10, 5 and 4 liters of water, with 10L bucket full of water, and 5L and 4L buckets empty.</a:t>
-            </a:r>
-          </a:p>
-        </p:txBody>
-      </p:sp>
-      <p:sp>
-        <p:nvSpPr>
-          <p:cNvPr id="4" name="Rectangle 3">
-            <a:extLst>
-              <a:ext uri="{FF2B5EF4-FFF2-40B4-BE49-F238E27FC236}">
-                <a16:creationId xmlns:a16="http://schemas.microsoft.com/office/drawing/2014/main" id="{31479BE7-68AA-A9ED-5038-9C13EE0BB92F}"/>
-              </a:ext>
-            </a:extLst>
-          </p:cNvPr>
-          <p:cNvSpPr/>
-          <p:nvPr/>
-        </p:nvSpPr>
-        <p:spPr>
-          <a:xfrm>
-            <a:off x="1457864" y="2760452"/>
-            <a:ext cx="612476" cy="1431986"/>
-          </a:xfrm>
-          <a:prstGeom prst="rect">
-            <a:avLst/>
-          </a:prstGeom>
-        </p:spPr>
-        <p:style>
-          <a:lnRef idx="2">
-            <a:schemeClr val="accent1">
-              <a:shade val="50000"/>
-            </a:schemeClr>
-          </a:lnRef>
-          <a:fillRef idx="1">
-            <a:schemeClr val="accent1"/>
-          </a:fillRef>
-          <a:effectRef idx="0">
-            <a:schemeClr val="accent1"/>
-          </a:effectRef>
-          <a:fontRef idx="minor">
-            <a:schemeClr val="lt1"/>
-          </a:fontRef>
-        </p:style>
-        <p:txBody>
-          <a:bodyPr rtlCol="0" anchor="ctr"/>
-          <a:lstStyle/>
-          <a:p>
-            <a:pPr algn="ctr"/>
-            <a:r>
-              <a:rPr lang="en-US" dirty="0">
-                <a:solidFill>
-                  <a:schemeClr val="tx1"/>
-                </a:solidFill>
-              </a:rPr>
-              <a:t>10</a:t>
-            </a:r>
-          </a:p>
-        </p:txBody>
-      </p:sp>
-      <p:sp>
-        <p:nvSpPr>
-          <p:cNvPr id="5" name="Rectangle 4">
-            <a:extLst>
-              <a:ext uri="{FF2B5EF4-FFF2-40B4-BE49-F238E27FC236}">
-                <a16:creationId xmlns:a16="http://schemas.microsoft.com/office/drawing/2014/main" id="{F58A3E58-186E-7384-E7F9-711D24358D01}"/>
-              </a:ext>
-            </a:extLst>
-          </p:cNvPr>
-          <p:cNvSpPr/>
-          <p:nvPr/>
-        </p:nvSpPr>
-        <p:spPr>
-          <a:xfrm>
-            <a:off x="2336319" y="3429000"/>
-            <a:ext cx="353683" cy="763438"/>
-          </a:xfrm>
-          <a:prstGeom prst="rect">
-            <a:avLst/>
-          </a:prstGeom>
-        </p:spPr>
-        <p:style>
-          <a:lnRef idx="2">
-            <a:schemeClr val="accent1">
-              <a:shade val="50000"/>
-            </a:schemeClr>
-          </a:lnRef>
-          <a:fillRef idx="1">
-            <a:schemeClr val="accent1"/>
-          </a:fillRef>
-          <a:effectRef idx="0">
-            <a:schemeClr val="accent1"/>
-          </a:effectRef>
-          <a:fontRef idx="minor">
-            <a:schemeClr val="lt1"/>
-          </a:fontRef>
-        </p:style>
-        <p:txBody>
-          <a:bodyPr rtlCol="0" anchor="ctr"/>
-          <a:lstStyle/>
-          <a:p>
-            <a:pPr algn="ctr"/>
-            <a:r>
-              <a:rPr lang="en-US" dirty="0">
-                <a:solidFill>
-                  <a:schemeClr val="tx1"/>
-                </a:solidFill>
-              </a:rPr>
-              <a:t>5</a:t>
-            </a:r>
-          </a:p>
-        </p:txBody>
-      </p:sp>
-      <p:sp>
-        <p:nvSpPr>
-          <p:cNvPr id="6" name="Rectangle 5">
-            <a:extLst>
-              <a:ext uri="{FF2B5EF4-FFF2-40B4-BE49-F238E27FC236}">
-                <a16:creationId xmlns:a16="http://schemas.microsoft.com/office/drawing/2014/main" id="{5B6CADA9-D0C3-E265-8D1A-7CF08C0A7579}"/>
-              </a:ext>
-            </a:extLst>
-          </p:cNvPr>
-          <p:cNvSpPr/>
-          <p:nvPr/>
-        </p:nvSpPr>
-        <p:spPr>
-          <a:xfrm>
-            <a:off x="2955981" y="3666227"/>
-            <a:ext cx="353683" cy="526211"/>
-          </a:xfrm>
-          <a:prstGeom prst="rect">
-            <a:avLst/>
-          </a:prstGeom>
-        </p:spPr>
-        <p:style>
-          <a:lnRef idx="2">
-            <a:schemeClr val="accent1">
-              <a:shade val="50000"/>
-            </a:schemeClr>
-          </a:lnRef>
-          <a:fillRef idx="1">
-            <a:schemeClr val="accent1"/>
-          </a:fillRef>
-          <a:effectRef idx="0">
-            <a:schemeClr val="accent1"/>
-          </a:effectRef>
-          <a:fontRef idx="minor">
-            <a:schemeClr val="lt1"/>
-          </a:fontRef>
-        </p:style>
-        <p:txBody>
-          <a:bodyPr rtlCol="0" anchor="ctr"/>
-          <a:lstStyle/>
-          <a:p>
-            <a:pPr algn="ctr"/>
-            <a:r>
-              <a:rPr lang="en-US" dirty="0">
-                <a:solidFill>
-                  <a:schemeClr val="tx1"/>
-                </a:solidFill>
-              </a:rPr>
-              <a:t>4</a:t>
-            </a:r>
-          </a:p>
-        </p:txBody>
-      </p:sp>
-      <p:sp>
-        <p:nvSpPr>
-          <p:cNvPr id="8" name="Content Placeholder 2">
-            <a:extLst>
-              <a:ext uri="{FF2B5EF4-FFF2-40B4-BE49-F238E27FC236}">
-                <a16:creationId xmlns:a16="http://schemas.microsoft.com/office/drawing/2014/main" id="{63D325DC-38F4-16B3-8746-65569B54FAAC}"/>
-              </a:ext>
-            </a:extLst>
-          </p:cNvPr>
-          <p:cNvSpPr txBox="1">
-            <a:spLocks/>
-          </p:cNvSpPr>
-          <p:nvPr/>
-        </p:nvSpPr>
-        <p:spPr>
-          <a:xfrm>
-            <a:off x="1295401" y="4364966"/>
-            <a:ext cx="9601196" cy="1510902"/>
-          </a:xfrm>
-          <a:prstGeom prst="rect">
-            <a:avLst/>
-          </a:prstGeom>
-        </p:spPr>
-        <p:txBody>
-          <a:bodyPr/>
-          <a:lstStyle>
-            <a:lvl1pPr marL="285750" indent="-285750" algn="l" defTabSz="457200" rtl="0" eaLnBrk="1" latinLnBrk="0" hangingPunct="1">
-              <a:spcBef>
-                <a:spcPct val="20000"/>
-              </a:spcBef>
-              <a:spcAft>
-                <a:spcPts val="600"/>
-              </a:spcAft>
-              <a:buClr>
-                <a:schemeClr val="accent1"/>
-              </a:buClr>
-              <a:buSzPct val="115000"/>
-              <a:buFont typeface="Arial"/>
-              <a:buChar char="•"/>
-              <a:defRPr sz="2400" kern="1200" cap="none">
-                <a:solidFill>
-                  <a:schemeClr val="tx1">
-                    <a:lumMod val="85000"/>
-                    <a:lumOff val="15000"/>
-                  </a:schemeClr>
-                </a:solidFill>
-                <a:effectLst/>
-                <a:latin typeface="+mn-lt"/>
-                <a:ea typeface="+mn-ea"/>
-                <a:cs typeface="+mn-cs"/>
-              </a:defRPr>
-            </a:lvl1pPr>
-            <a:lvl2pPr marL="742950" indent="-285750" algn="l" defTabSz="457200" rtl="0" eaLnBrk="1" latinLnBrk="0" hangingPunct="1">
-              <a:spcBef>
-                <a:spcPct val="20000"/>
-              </a:spcBef>
-              <a:spcAft>
-                <a:spcPts val="600"/>
-              </a:spcAft>
-              <a:buClr>
-                <a:schemeClr val="accent1"/>
-              </a:buClr>
-              <a:buSzPct val="115000"/>
-              <a:buFont typeface="Arial"/>
-              <a:buChar char="•"/>
-              <a:defRPr sz="2000" kern="1200" cap="none">
-                <a:solidFill>
-                  <a:schemeClr val="tx1">
-                    <a:lumMod val="85000"/>
-                    <a:lumOff val="15000"/>
-                  </a:schemeClr>
-                </a:solidFill>
-                <a:effectLst/>
-                <a:latin typeface="+mn-lt"/>
-                <a:ea typeface="+mn-ea"/>
-                <a:cs typeface="+mn-cs"/>
-              </a:defRPr>
-            </a:lvl2pPr>
-            <a:lvl3pPr marL="1200150" indent="-285750" algn="l" defTabSz="457200" rtl="0" eaLnBrk="1" latinLnBrk="0" hangingPunct="1">
-              <a:spcBef>
-                <a:spcPct val="20000"/>
-              </a:spcBef>
-              <a:spcAft>
-                <a:spcPts val="600"/>
-              </a:spcAft>
-              <a:buClr>
-                <a:schemeClr val="accent1"/>
-              </a:buClr>
-              <a:buSzPct val="115000"/>
-              <a:buFont typeface="Arial"/>
-              <a:buChar char="•"/>
-              <a:defRPr sz="1800" kern="1200" cap="none">
-                <a:solidFill>
-                  <a:schemeClr val="tx1">
-                    <a:lumMod val="85000"/>
-                    <a:lumOff val="15000"/>
-                  </a:schemeClr>
-                </a:solidFill>
-                <a:effectLst/>
-                <a:latin typeface="+mn-lt"/>
-                <a:ea typeface="+mn-ea"/>
-                <a:cs typeface="+mn-cs"/>
-              </a:defRPr>
-            </a:lvl3pPr>
-            <a:lvl4pPr marL="1543050" indent="-171450" algn="l" defTabSz="457200" rtl="0" eaLnBrk="1" latinLnBrk="0" hangingPunct="1">
-              <a:spcBef>
-                <a:spcPct val="20000"/>
-              </a:spcBef>
-              <a:spcAft>
-                <a:spcPts val="600"/>
-              </a:spcAft>
-              <a:buClr>
-                <a:schemeClr val="accent1"/>
-              </a:buClr>
-              <a:buSzPct val="115000"/>
-              <a:buFont typeface="Arial"/>
-              <a:buChar char="•"/>
-              <a:defRPr sz="1600" kern="1200" cap="none">
-                <a:solidFill>
-                  <a:schemeClr val="tx1">
-                    <a:lumMod val="85000"/>
-                    <a:lumOff val="15000"/>
-                  </a:schemeClr>
-                </a:solidFill>
-                <a:effectLst/>
-                <a:latin typeface="+mn-lt"/>
-                <a:ea typeface="+mn-ea"/>
-                <a:cs typeface="+mn-cs"/>
-              </a:defRPr>
-            </a:lvl4pPr>
-            <a:lvl5pPr marL="2000250" indent="-171450" algn="l" defTabSz="457200" rtl="0" eaLnBrk="1" latinLnBrk="0" hangingPunct="1">
-              <a:spcBef>
-                <a:spcPct val="20000"/>
-              </a:spcBef>
-              <a:spcAft>
-                <a:spcPts val="600"/>
-              </a:spcAft>
-              <a:buClr>
-                <a:schemeClr val="accent1"/>
-              </a:buClr>
-              <a:buSzPct val="115000"/>
-              <a:buFont typeface="Arial"/>
-              <a:buChar char="•"/>
-              <a:defRPr sz="1400" kern="1200" cap="none">
-                <a:solidFill>
-                  <a:schemeClr val="tx1">
-                    <a:lumMod val="85000"/>
-                    <a:lumOff val="15000"/>
-                  </a:schemeClr>
-                </a:solidFill>
-                <a:effectLst/>
-                <a:latin typeface="+mn-lt"/>
-                <a:ea typeface="+mn-ea"/>
-                <a:cs typeface="+mn-cs"/>
-              </a:defRPr>
-            </a:lvl5pPr>
-            <a:lvl6pPr marL="2514600" indent="-228600" algn="l" defTabSz="457200" rtl="0" eaLnBrk="1" latinLnBrk="0" hangingPunct="1">
-              <a:spcBef>
-                <a:spcPct val="20000"/>
-              </a:spcBef>
-              <a:spcAft>
-                <a:spcPts val="600"/>
-              </a:spcAft>
-              <a:buClr>
-                <a:schemeClr val="accent1"/>
-              </a:buClr>
-              <a:buSzPct val="115000"/>
-              <a:buFont typeface="Arial"/>
-              <a:buChar char="•"/>
-              <a:defRPr sz="1400" kern="1200" cap="none">
-                <a:solidFill>
-                  <a:schemeClr val="tx1">
-                    <a:lumMod val="85000"/>
-                    <a:lumOff val="15000"/>
-                  </a:schemeClr>
-                </a:solidFill>
-                <a:effectLst/>
-                <a:latin typeface="+mn-lt"/>
-                <a:ea typeface="+mn-ea"/>
-                <a:cs typeface="+mn-cs"/>
-              </a:defRPr>
-            </a:lvl6pPr>
-            <a:lvl7pPr marL="2971800" indent="-228600" algn="l" defTabSz="457200" rtl="0" eaLnBrk="1" latinLnBrk="0" hangingPunct="1">
-              <a:spcBef>
-                <a:spcPct val="20000"/>
-              </a:spcBef>
-              <a:spcAft>
-                <a:spcPts val="600"/>
-              </a:spcAft>
-              <a:buClr>
-                <a:schemeClr val="accent1"/>
-              </a:buClr>
-              <a:buSzPct val="115000"/>
-              <a:buFont typeface="Arial"/>
-              <a:buChar char="•"/>
-              <a:defRPr sz="1400" kern="1200" cap="none">
-                <a:solidFill>
-                  <a:schemeClr val="tx1">
-                    <a:lumMod val="85000"/>
-                    <a:lumOff val="15000"/>
-                  </a:schemeClr>
-                </a:solidFill>
-                <a:effectLst/>
-                <a:latin typeface="+mn-lt"/>
-                <a:ea typeface="+mn-ea"/>
-                <a:cs typeface="+mn-cs"/>
-              </a:defRPr>
-            </a:lvl7pPr>
-            <a:lvl8pPr marL="3429000" indent="-228600" algn="l" defTabSz="457200" rtl="0" eaLnBrk="1" latinLnBrk="0" hangingPunct="1">
-              <a:spcBef>
-                <a:spcPct val="20000"/>
-              </a:spcBef>
-              <a:spcAft>
-                <a:spcPts val="600"/>
-              </a:spcAft>
-              <a:buClr>
-                <a:schemeClr val="accent1"/>
-              </a:buClr>
-              <a:buSzPct val="115000"/>
-              <a:buFont typeface="Arial"/>
-              <a:buChar char="•"/>
-              <a:defRPr sz="1400" kern="1200" cap="none">
-                <a:solidFill>
-                  <a:schemeClr val="tx1">
-                    <a:lumMod val="85000"/>
-                    <a:lumOff val="15000"/>
-                  </a:schemeClr>
-                </a:solidFill>
-                <a:effectLst/>
-                <a:latin typeface="+mn-lt"/>
-                <a:ea typeface="+mn-ea"/>
-                <a:cs typeface="+mn-cs"/>
-              </a:defRPr>
-            </a:lvl8pPr>
-            <a:lvl9pPr marL="3886200" indent="-228600" algn="l" defTabSz="457200" rtl="0" eaLnBrk="1" latinLnBrk="0" hangingPunct="1">
-              <a:spcBef>
-                <a:spcPct val="20000"/>
-              </a:spcBef>
-              <a:spcAft>
-                <a:spcPts val="600"/>
-              </a:spcAft>
-              <a:buClr>
-                <a:schemeClr val="accent1"/>
-              </a:buClr>
-              <a:buSzPct val="115000"/>
-              <a:buFont typeface="Arial"/>
-              <a:buChar char="•"/>
-              <a:defRPr sz="1400" kern="1200" cap="none">
-                <a:solidFill>
-                  <a:schemeClr val="tx1">
-                    <a:lumMod val="85000"/>
-                    <a:lumOff val="15000"/>
-                  </a:schemeClr>
-                </a:solidFill>
-                <a:effectLst/>
-                <a:latin typeface="+mn-lt"/>
-                <a:ea typeface="+mn-ea"/>
-                <a:cs typeface="+mn-cs"/>
-              </a:defRPr>
-            </a:lvl9pPr>
-          </a:lstStyle>
-          <a:p>
-            <a:r>
-              <a:rPr lang="en-US" dirty="0"/>
-              <a:t>Find a way to put 3 liters of water in one of the buckets.</a:t>
-            </a:r>
-          </a:p>
-          <a:p>
-            <a:r>
-              <a:rPr lang="en-US" dirty="0"/>
-              <a:t>Bonus</a:t>
-            </a:r>
-          </a:p>
-          <a:p>
-            <a:pPr lvl="1"/>
-            <a:r>
-              <a:rPr lang="en-US" dirty="0"/>
-              <a:t>Find a way to put 2 liters of water in one of the buckets.</a:t>
-            </a:r>
-          </a:p>
-          <a:p>
-            <a:pPr lvl="1"/>
-            <a:r>
-              <a:rPr lang="en-US" dirty="0"/>
-              <a:t>Find a way to put 8 liters of water in one of the buckets.</a:t>
-            </a:r>
-          </a:p>
-        </p:txBody>
-      </p:sp>
-    </p:spTree>
-    <p:extLst>
-      <p:ext uri="{BB962C8B-B14F-4D97-AF65-F5344CB8AC3E}">
-        <p14:creationId xmlns:p14="http://schemas.microsoft.com/office/powerpoint/2010/main" val="356587805"/>
-      </p:ext>
-    </p:extLst>
-  </p:cSld>
-  <p:clrMapOvr>
-    <a:masterClrMapping/>
-  </p:clrMapOvr>
-</p:sld>
-</file>
-
-<file path=ppt/slides/slide3.xml><?xml version="1.0" encoding="utf-8"?>
-<p:sld xmlns:a="http://schemas.openxmlformats.org/drawingml/2006/main" xmlns:r="http://schemas.openxmlformats.org/officeDocument/2006/relationships" xmlns:p="http://schemas.openxmlformats.org/presentationml/2006/main">
-  <p:cSld>
-    <p:spTree>
-      <p:nvGrpSpPr>
-        <p:cNvPr id="1" name=""/>
-        <p:cNvGrpSpPr/>
-        <p:nvPr/>
-      </p:nvGrpSpPr>
-      <p:grpSpPr>
-        <a:xfrm>
-          <a:off x="0" y="0"/>
-          <a:ext cx="0" cy="0"/>
-          <a:chOff x="0" y="0"/>
-          <a:chExt cx="0" cy="0"/>
-        </a:xfrm>
-      </p:grpSpPr>
-      <p:sp>
-        <p:nvSpPr>
-          <p:cNvPr id="2" name="Title 1">
-            <a:extLst>
-              <a:ext uri="{FF2B5EF4-FFF2-40B4-BE49-F238E27FC236}">
-                <a16:creationId xmlns:a16="http://schemas.microsoft.com/office/drawing/2014/main" id="{CA317722-9261-B16F-DF2C-8CF6D23E8851}"/>
-              </a:ext>
-            </a:extLst>
-          </p:cNvPr>
-          <p:cNvSpPr>
-            <a:spLocks noGrp="1"/>
-          </p:cNvSpPr>
-          <p:nvPr>
-            <p:ph type="ctrTitle"/>
-          </p:nvPr>
-        </p:nvSpPr>
-        <p:spPr/>
-        <p:txBody>
-          <a:bodyPr/>
-          <a:lstStyle/>
-          <a:p>
-            <a:r>
-              <a:rPr lang="en-US" dirty="0"/>
-              <a:t>Solution</a:t>
-            </a:r>
-          </a:p>
-        </p:txBody>
-      </p:sp>
-      <p:sp>
-        <p:nvSpPr>
-          <p:cNvPr id="3" name="Subtitle 2">
-            <a:extLst>
-              <a:ext uri="{FF2B5EF4-FFF2-40B4-BE49-F238E27FC236}">
-                <a16:creationId xmlns:a16="http://schemas.microsoft.com/office/drawing/2014/main" id="{043C9A1C-775D-C72F-DB2C-E4FD1E85D80F}"/>
-              </a:ext>
-            </a:extLst>
-          </p:cNvPr>
-          <p:cNvSpPr>
-            <a:spLocks noGrp="1"/>
-          </p:cNvSpPr>
-          <p:nvPr>
-            <p:ph type="subTitle" idx="1"/>
-          </p:nvPr>
-        </p:nvSpPr>
-        <p:spPr/>
-        <p:txBody>
-          <a:bodyPr/>
-          <a:lstStyle/>
-          <a:p>
-            <a:endParaRPr lang="en-US" dirty="0"/>
-          </a:p>
-        </p:txBody>
-      </p:sp>
-      <p:cxnSp>
-        <p:nvCxnSpPr>
-          <p:cNvPr id="4" name="Straight Connector 3">
-            <a:extLst>
-              <a:ext uri="{FF2B5EF4-FFF2-40B4-BE49-F238E27FC236}">
-                <a16:creationId xmlns:a16="http://schemas.microsoft.com/office/drawing/2014/main" id="{AA241FF2-783E-F0FB-BBB6-BDB4BE717A67}"/>
-              </a:ext>
-            </a:extLst>
-          </p:cNvPr>
-          <p:cNvCxnSpPr>
-            <a:cxnSpLocks/>
-          </p:cNvCxnSpPr>
-          <p:nvPr/>
-        </p:nvCxnSpPr>
-        <p:spPr>
-          <a:xfrm>
-            <a:off x="11580671" y="7607456"/>
-            <a:ext cx="1219200" cy="0"/>
-          </a:xfrm>
-          <a:prstGeom prst="line">
-            <a:avLst/>
-          </a:prstGeom>
-          <a:ln w="25400">
-            <a:solidFill>
-              <a:schemeClr val="tx1"/>
-            </a:solidFill>
-          </a:ln>
-        </p:spPr>
-        <p:style>
-          <a:lnRef idx="1">
-            <a:schemeClr val="accent1"/>
-          </a:lnRef>
-          <a:fillRef idx="0">
-            <a:schemeClr val="accent1"/>
-          </a:fillRef>
-          <a:effectRef idx="0">
-            <a:schemeClr val="accent1"/>
-          </a:effectRef>
-          <a:fontRef idx="minor">
-            <a:schemeClr val="tx1"/>
-          </a:fontRef>
-        </p:style>
-      </p:cxnSp>
-    </p:spTree>
-    <p:extLst>
-      <p:ext uri="{BB962C8B-B14F-4D97-AF65-F5344CB8AC3E}">
-        <p14:creationId xmlns:p14="http://schemas.microsoft.com/office/powerpoint/2010/main" val="3901014800"/>
-      </p:ext>
-    </p:extLst>
-  </p:cSld>
-  <p:clrMapOvr>
-    <a:masterClrMapping/>
-  </p:clrMapOvr>
-</p:sld>
-</file>
-
-<file path=ppt/slides/slide4.xml><?xml version="1.0" encoding="utf-8"?>
-<p:sld xmlns:a="http://schemas.openxmlformats.org/drawingml/2006/main" xmlns:r="http://schemas.openxmlformats.org/officeDocument/2006/relationships" xmlns:p="http://schemas.openxmlformats.org/presentationml/2006/main">
-  <p:cSld>
-    <p:spTree>
-      <p:nvGrpSpPr>
-        <p:cNvPr id="1" name=""/>
-        <p:cNvGrpSpPr/>
-        <p:nvPr/>
-      </p:nvGrpSpPr>
-      <p:grpSpPr>
-        <a:xfrm>
-          <a:off x="0" y="0"/>
-          <a:ext cx="0" cy="0"/>
-          <a:chOff x="0" y="0"/>
-          <a:chExt cx="0" cy="0"/>
-        </a:xfrm>
-      </p:grpSpPr>
-      <p:sp>
-        <p:nvSpPr>
-          <p:cNvPr id="2" name="Title 1">
-            <a:extLst>
-              <a:ext uri="{FF2B5EF4-FFF2-40B4-BE49-F238E27FC236}">
-                <a16:creationId xmlns:a16="http://schemas.microsoft.com/office/drawing/2014/main" id="{959FB38A-7A0B-D95A-9178-5F278E146DF2}"/>
-              </a:ext>
-            </a:extLst>
-          </p:cNvPr>
-          <p:cNvSpPr>
-            <a:spLocks noGrp="1"/>
-          </p:cNvSpPr>
-          <p:nvPr>
-            <p:ph type="title"/>
-          </p:nvPr>
-        </p:nvSpPr>
-        <p:spPr/>
-        <p:txBody>
-          <a:bodyPr/>
-          <a:lstStyle/>
-          <a:p>
-            <a:endParaRPr lang="en-US" dirty="0"/>
-          </a:p>
-        </p:txBody>
-      </p:sp>
-      <p:sp>
-        <p:nvSpPr>
-          <p:cNvPr id="3" name="Content Placeholder 2">
-            <a:extLst>
-              <a:ext uri="{FF2B5EF4-FFF2-40B4-BE49-F238E27FC236}">
-                <a16:creationId xmlns:a16="http://schemas.microsoft.com/office/drawing/2014/main" id="{63F18933-BD44-EAD6-CE8D-3679E085F9B9}"/>
-              </a:ext>
-            </a:extLst>
-          </p:cNvPr>
-          <p:cNvSpPr>
-            <a:spLocks noGrp="1"/>
-          </p:cNvSpPr>
-          <p:nvPr>
-            <p:ph idx="1"/>
-          </p:nvPr>
-        </p:nvSpPr>
-        <p:spPr/>
-        <p:txBody>
-          <a:bodyPr/>
-          <a:lstStyle/>
-          <a:p>
-            <a:r>
-              <a:rPr lang="en-US" dirty="0"/>
-              <a:t>3 liters of water</a:t>
-            </a:r>
-          </a:p>
-          <a:p>
-            <a:pPr lvl="1"/>
-            <a:r>
-              <a:rPr lang="en-US" dirty="0"/>
-              <a:t>10L -&gt; 4L</a:t>
-            </a:r>
-          </a:p>
-          <a:p>
-            <a:pPr lvl="1"/>
-            <a:r>
-              <a:rPr lang="en-US" dirty="0"/>
-              <a:t>4L -&gt; 5L</a:t>
-            </a:r>
-          </a:p>
-          <a:p>
-            <a:pPr lvl="1"/>
-            <a:r>
-              <a:rPr lang="en-US" dirty="0"/>
-              <a:t>10L -&gt; 4L</a:t>
-            </a:r>
-          </a:p>
-          <a:p>
-            <a:pPr lvl="1"/>
-            <a:r>
-              <a:rPr lang="en-US" dirty="0"/>
-              <a:t>4L -&gt; 5L (Now 4L bucket has 3 liters of water)</a:t>
-            </a:r>
-          </a:p>
-        </p:txBody>
-      </p:sp>
-    </p:spTree>
-    <p:extLst>
-      <p:ext uri="{BB962C8B-B14F-4D97-AF65-F5344CB8AC3E}">
-        <p14:creationId xmlns:p14="http://schemas.microsoft.com/office/powerpoint/2010/main" val="3541333619"/>
-      </p:ext>
-    </p:extLst>
-  </p:cSld>
-  <p:clrMapOvr>
-    <a:masterClrMapping/>
-  </p:clrMapOvr>
-</p:sld>
-</file>
-
-<file path=ppt/slides/slide5.xml><?xml version="1.0" encoding="utf-8"?>
-<p:sld xmlns:a="http://schemas.openxmlformats.org/drawingml/2006/main" xmlns:r="http://schemas.openxmlformats.org/officeDocument/2006/relationships" xmlns:p="http://schemas.openxmlformats.org/presentationml/2006/main">
-  <p:cSld>
-    <p:spTree>
-      <p:nvGrpSpPr>
-        <p:cNvPr id="1" name=""/>
-        <p:cNvGrpSpPr/>
-        <p:nvPr/>
-      </p:nvGrpSpPr>
-      <p:grpSpPr>
-        <a:xfrm>
-          <a:off x="0" y="0"/>
-          <a:ext cx="0" cy="0"/>
-          <a:chOff x="0" y="0"/>
-          <a:chExt cx="0" cy="0"/>
-        </a:xfrm>
-      </p:grpSpPr>
-      <p:sp>
-        <p:nvSpPr>
-          <p:cNvPr id="2" name="Title 1">
-            <a:extLst>
-              <a:ext uri="{FF2B5EF4-FFF2-40B4-BE49-F238E27FC236}">
-                <a16:creationId xmlns:a16="http://schemas.microsoft.com/office/drawing/2014/main" id="{959FB38A-7A0B-D95A-9178-5F278E146DF2}"/>
-              </a:ext>
-            </a:extLst>
-          </p:cNvPr>
-          <p:cNvSpPr>
-            <a:spLocks noGrp="1"/>
-          </p:cNvSpPr>
-          <p:nvPr>
-            <p:ph type="title"/>
-          </p:nvPr>
-        </p:nvSpPr>
-        <p:spPr/>
-        <p:txBody>
-          <a:bodyPr/>
-          <a:lstStyle/>
-          <a:p>
-            <a:endParaRPr lang="en-US" dirty="0"/>
-          </a:p>
-        </p:txBody>
-      </p:sp>
-      <p:sp>
-        <p:nvSpPr>
-          <p:cNvPr id="3" name="Content Placeholder 2">
-            <a:extLst>
-              <a:ext uri="{FF2B5EF4-FFF2-40B4-BE49-F238E27FC236}">
-                <a16:creationId xmlns:a16="http://schemas.microsoft.com/office/drawing/2014/main" id="{63F18933-BD44-EAD6-CE8D-3679E085F9B9}"/>
-              </a:ext>
-            </a:extLst>
-          </p:cNvPr>
-          <p:cNvSpPr>
-            <a:spLocks noGrp="1"/>
-          </p:cNvSpPr>
-          <p:nvPr>
-            <p:ph idx="1"/>
-          </p:nvPr>
-        </p:nvSpPr>
-        <p:spPr/>
-        <p:txBody>
-          <a:bodyPr/>
-          <a:lstStyle/>
-          <a:p>
-            <a:r>
-              <a:rPr lang="en-US" dirty="0"/>
-              <a:t>2 liters of water</a:t>
-            </a:r>
-          </a:p>
-          <a:p>
-            <a:pPr lvl="1"/>
-            <a:r>
-              <a:rPr lang="en-US" dirty="0"/>
-              <a:t>10L -&gt; 4L</a:t>
-            </a:r>
-          </a:p>
-          <a:p>
-            <a:pPr lvl="1"/>
-            <a:r>
-              <a:rPr lang="en-US" dirty="0"/>
-              <a:t>4L -&gt; 5L</a:t>
-            </a:r>
-          </a:p>
-          <a:p>
-            <a:pPr lvl="1"/>
-            <a:r>
-              <a:rPr lang="en-US" dirty="0"/>
-              <a:t>10L -&gt; 4L (Now 10L bucket has 2 liters of water)</a:t>
-            </a:r>
-          </a:p>
-        </p:txBody>
-      </p:sp>
-    </p:spTree>
-    <p:extLst>
-      <p:ext uri="{BB962C8B-B14F-4D97-AF65-F5344CB8AC3E}">
-        <p14:creationId xmlns:p14="http://schemas.microsoft.com/office/powerpoint/2010/main" val="2367636567"/>
-      </p:ext>
-    </p:extLst>
-  </p:cSld>
-  <p:clrMapOvr>
-    <a:masterClrMapping/>
-  </p:clrMapOvr>
-</p:sld>
-</file>
-
-<file path=ppt/slides/slide6.xml><?xml version="1.0" encoding="utf-8"?>
-<p:sld xmlns:a="http://schemas.openxmlformats.org/drawingml/2006/main" xmlns:r="http://schemas.openxmlformats.org/officeDocument/2006/relationships" xmlns:p="http://schemas.openxmlformats.org/presentationml/2006/main">
-  <p:cSld>
-    <p:spTree>
-      <p:nvGrpSpPr>
-        <p:cNvPr id="1" name=""/>
-        <p:cNvGrpSpPr/>
-        <p:nvPr/>
-      </p:nvGrpSpPr>
-      <p:grpSpPr>
-        <a:xfrm>
-          <a:off x="0" y="0"/>
-          <a:ext cx="0" cy="0"/>
-          <a:chOff x="0" y="0"/>
-          <a:chExt cx="0" cy="0"/>
-        </a:xfrm>
-      </p:grpSpPr>
-      <p:sp>
-        <p:nvSpPr>
-          <p:cNvPr id="2" name="Title 1">
-            <a:extLst>
-              <a:ext uri="{FF2B5EF4-FFF2-40B4-BE49-F238E27FC236}">
-                <a16:creationId xmlns:a16="http://schemas.microsoft.com/office/drawing/2014/main" id="{959FB38A-7A0B-D95A-9178-5F278E146DF2}"/>
-              </a:ext>
-            </a:extLst>
-          </p:cNvPr>
-          <p:cNvSpPr>
-            <a:spLocks noGrp="1"/>
-          </p:cNvSpPr>
-          <p:nvPr>
-            <p:ph type="title"/>
-          </p:nvPr>
-        </p:nvSpPr>
-        <p:spPr/>
-        <p:txBody>
-          <a:bodyPr/>
-          <a:lstStyle/>
-          <a:p>
-            <a:endParaRPr lang="en-US" dirty="0"/>
-          </a:p>
-        </p:txBody>
-      </p:sp>
-      <p:sp>
-        <p:nvSpPr>
-          <p:cNvPr id="3" name="Content Placeholder 2">
-            <a:extLst>
-              <a:ext uri="{FF2B5EF4-FFF2-40B4-BE49-F238E27FC236}">
-                <a16:creationId xmlns:a16="http://schemas.microsoft.com/office/drawing/2014/main" id="{63F18933-BD44-EAD6-CE8D-3679E085F9B9}"/>
-              </a:ext>
-            </a:extLst>
-          </p:cNvPr>
-          <p:cNvSpPr>
-            <a:spLocks noGrp="1"/>
-          </p:cNvSpPr>
-          <p:nvPr>
-            <p:ph idx="1"/>
-          </p:nvPr>
-        </p:nvSpPr>
-        <p:spPr/>
-        <p:txBody>
-          <a:bodyPr>
-            <a:normAutofit fontScale="77500" lnSpcReduction="20000"/>
-          </a:bodyPr>
-          <a:lstStyle/>
-          <a:p>
-            <a:r>
-              <a:rPr lang="en-US" dirty="0"/>
-              <a:t>8 liters of water</a:t>
-            </a:r>
-          </a:p>
-          <a:p>
-            <a:pPr lvl="1"/>
-            <a:r>
-              <a:rPr lang="en-US" dirty="0"/>
-              <a:t>10L -&gt; 4L</a:t>
-            </a:r>
-          </a:p>
-          <a:p>
-            <a:pPr lvl="1"/>
-            <a:r>
-              <a:rPr lang="en-US" dirty="0"/>
-              <a:t>4L -&gt; 5L</a:t>
-            </a:r>
-          </a:p>
-          <a:p>
-            <a:pPr lvl="1"/>
-            <a:r>
-              <a:rPr lang="en-US" dirty="0"/>
-              <a:t>10L -&gt; 4L</a:t>
-            </a:r>
-          </a:p>
-          <a:p>
-            <a:pPr lvl="1"/>
-            <a:r>
-              <a:rPr lang="en-US" dirty="0"/>
-              <a:t>4L -&gt; 5L</a:t>
-            </a:r>
-          </a:p>
-          <a:p>
-            <a:pPr lvl="1"/>
-            <a:r>
-              <a:rPr lang="en-US" dirty="0"/>
-              <a:t>5L -&gt; 10L</a:t>
-            </a:r>
-          </a:p>
-          <a:p>
-            <a:pPr lvl="1"/>
-            <a:r>
-              <a:rPr lang="en-US" dirty="0"/>
-              <a:t>4L -&gt; 5L</a:t>
-            </a:r>
-          </a:p>
-          <a:p>
-            <a:pPr lvl="1"/>
-            <a:r>
-              <a:rPr lang="en-US" dirty="0"/>
-              <a:t>10L -&gt; 4L</a:t>
-            </a:r>
-          </a:p>
-          <a:p>
-            <a:pPr lvl="1"/>
-            <a:r>
-              <a:rPr lang="en-US" dirty="0"/>
-              <a:t>4L -&gt; 5L (4L bucket now has 2 liters of water)</a:t>
-            </a:r>
-          </a:p>
-          <a:p>
-            <a:pPr lvl="1"/>
-            <a:r>
-              <a:rPr lang="en-US" dirty="0"/>
-              <a:t>5L -&gt; 10L (10L bucket now has 8 liters of water)</a:t>
-            </a:r>
-          </a:p>
-        </p:txBody>
-      </p:sp>
-    </p:spTree>
-    <p:extLst>
-      <p:ext uri="{BB962C8B-B14F-4D97-AF65-F5344CB8AC3E}">
-        <p14:creationId xmlns:p14="http://schemas.microsoft.com/office/powerpoint/2010/main" val="2845595609"/>
-      </p:ext>
-    </p:extLst>
-  </p:cSld>
-  <p:clrMapOvr>
-    <a:masterClrMapping/>
-  </p:clrMapOvr>
-</p:sld>
-</file>
-
-<file path=ppt/slides/slide7.xml><?xml version="1.0" encoding="utf-8"?>
-<p:sld xmlns:a="http://schemas.openxmlformats.org/drawingml/2006/main" xmlns:r="http://schemas.openxmlformats.org/officeDocument/2006/relationships" xmlns:p="http://schemas.openxmlformats.org/presentationml/2006/main">
-  <p:cSld>
-    <p:spTree>
-      <p:nvGrpSpPr>
-        <p:cNvPr id="1" name=""/>
-        <p:cNvGrpSpPr/>
-        <p:nvPr/>
-      </p:nvGrpSpPr>
-      <p:grpSpPr>
-        <a:xfrm>
-          <a:off x="0" y="0"/>
-          <a:ext cx="0" cy="0"/>
-          <a:chOff x="0" y="0"/>
-          <a:chExt cx="0" cy="0"/>
-        </a:xfrm>
-      </p:grpSpPr>
-      <p:sp>
-        <p:nvSpPr>
-          <p:cNvPr id="2" name="Title 1">
-            <a:extLst>
-              <a:ext uri="{FF2B5EF4-FFF2-40B4-BE49-F238E27FC236}">
-                <a16:creationId xmlns:a16="http://schemas.microsoft.com/office/drawing/2014/main" id="{56226C64-365C-4FF3-44C1-F1E828C19684}"/>
-              </a:ext>
-            </a:extLst>
-          </p:cNvPr>
-          <p:cNvSpPr>
-            <a:spLocks noGrp="1"/>
-          </p:cNvSpPr>
-          <p:nvPr>
-            <p:ph type="title"/>
-          </p:nvPr>
-        </p:nvSpPr>
-        <p:spPr/>
-        <p:txBody>
-          <a:bodyPr/>
-          <a:lstStyle/>
-          <a:p>
-            <a:r>
-              <a:rPr lang="en-US" dirty="0"/>
-              <a:t>Notes</a:t>
-            </a:r>
-          </a:p>
-        </p:txBody>
-      </p:sp>
-      <p:sp>
-        <p:nvSpPr>
-          <p:cNvPr id="3" name="Content Placeholder 2">
-            <a:extLst>
-              <a:ext uri="{FF2B5EF4-FFF2-40B4-BE49-F238E27FC236}">
-                <a16:creationId xmlns:a16="http://schemas.microsoft.com/office/drawing/2014/main" id="{F4F551EF-C73D-5C85-984A-ACA511573A8C}"/>
-              </a:ext>
-            </a:extLst>
-          </p:cNvPr>
-          <p:cNvSpPr>
-            <a:spLocks noGrp="1"/>
-          </p:cNvSpPr>
-          <p:nvPr>
-            <p:ph idx="1"/>
-          </p:nvPr>
-        </p:nvSpPr>
-        <p:spPr/>
-        <p:txBody>
-          <a:bodyPr/>
-          <a:lstStyle/>
-          <a:p>
-            <a:r>
-              <a:rPr lang="en-US" dirty="0"/>
-              <a:t>This problem can be easier solved using </a:t>
-            </a:r>
-            <a:r>
-              <a:rPr lang="en-US"/>
-              <a:t>three cups </a:t>
-            </a:r>
-            <a:r>
-              <a:rPr lang="en-US" dirty="0"/>
-              <a:t>and marbles representing water.</a:t>
-            </a:r>
-          </a:p>
-        </p:txBody>
-      </p:sp>
-    </p:spTree>
-    <p:extLst>
-      <p:ext uri="{BB962C8B-B14F-4D97-AF65-F5344CB8AC3E}">
-        <p14:creationId xmlns:p14="http://schemas.microsoft.com/office/powerpoint/2010/main" val="4269573930"/>
+        <p14:creationId xmlns:p14="http://schemas.microsoft.com/office/powerpoint/2010/main" val="73555066"/>
       </p:ext>
     </p:extLst>
   </p:cSld>
